--- a/Batch-07/Udemy/Curriculum/PowerPoints/Lecture 13 - Understanding the 6 Pillars of Well Architected Framework.pptx
+++ b/Batch-07/Udemy/Curriculum/PowerPoints/Lecture 13 - Understanding the 6 Pillars of Well Architected Framework.pptx
@@ -7,6 +7,11 @@
   <p:sldIdLst>
     <p:sldId id="256" r:id="rId2"/>
     <p:sldId id="262" r:id="rId3"/>
+    <p:sldId id="263" r:id="rId4"/>
+    <p:sldId id="264" r:id="rId5"/>
+    <p:sldId id="265" r:id="rId6"/>
+    <p:sldId id="266" r:id="rId7"/>
+    <p:sldId id="267" r:id="rId8"/>
   </p:sldIdLst>
   <p:sldSz cx="9144000" cy="6858000" type="screen4x3"/>
   <p:notesSz cx="6858000" cy="9144000"/>
@@ -296,7 +301,7 @@
             <a:fld id="{AAA274FE-DCD2-4968-AFE0-C8FFE5A629E6}" type="datetimeFigureOut">
               <a:rPr lang="en-US" smtClean="0"/>
               <a:pPr/>
-              <a:t>4/21/2022</a:t>
+              <a:t>4/22/2022</a:t>
             </a:fld>
             <a:endParaRPr lang="en-US"/>
           </a:p>
@@ -462,7 +467,7 @@
             <a:fld id="{AAA274FE-DCD2-4968-AFE0-C8FFE5A629E6}" type="datetimeFigureOut">
               <a:rPr lang="en-US" smtClean="0"/>
               <a:pPr/>
-              <a:t>4/21/2022</a:t>
+              <a:t>4/22/2022</a:t>
             </a:fld>
             <a:endParaRPr lang="en-US"/>
           </a:p>
@@ -638,7 +643,7 @@
             <a:fld id="{AAA274FE-DCD2-4968-AFE0-C8FFE5A629E6}" type="datetimeFigureOut">
               <a:rPr lang="en-US" smtClean="0"/>
               <a:pPr/>
-              <a:t>4/21/2022</a:t>
+              <a:t>4/22/2022</a:t>
             </a:fld>
             <a:endParaRPr lang="en-US"/>
           </a:p>
@@ -804,7 +809,7 @@
             <a:fld id="{AAA274FE-DCD2-4968-AFE0-C8FFE5A629E6}" type="datetimeFigureOut">
               <a:rPr lang="en-US" smtClean="0"/>
               <a:pPr/>
-              <a:t>4/21/2022</a:t>
+              <a:t>4/22/2022</a:t>
             </a:fld>
             <a:endParaRPr lang="en-US"/>
           </a:p>
@@ -1047,7 +1052,7 @@
             <a:fld id="{AAA274FE-DCD2-4968-AFE0-C8FFE5A629E6}" type="datetimeFigureOut">
               <a:rPr lang="en-US" smtClean="0"/>
               <a:pPr/>
-              <a:t>4/21/2022</a:t>
+              <a:t>4/22/2022</a:t>
             </a:fld>
             <a:endParaRPr lang="en-US"/>
           </a:p>
@@ -1312,7 +1317,7 @@
             <a:fld id="{AAA274FE-DCD2-4968-AFE0-C8FFE5A629E6}" type="datetimeFigureOut">
               <a:rPr lang="en-US" smtClean="0"/>
               <a:pPr/>
-              <a:t>4/21/2022</a:t>
+              <a:t>4/22/2022</a:t>
             </a:fld>
             <a:endParaRPr lang="en-US"/>
           </a:p>
@@ -1691,7 +1696,7 @@
             <a:fld id="{AAA274FE-DCD2-4968-AFE0-C8FFE5A629E6}" type="datetimeFigureOut">
               <a:rPr lang="en-US" smtClean="0"/>
               <a:pPr/>
-              <a:t>4/21/2022</a:t>
+              <a:t>4/22/2022</a:t>
             </a:fld>
             <a:endParaRPr lang="en-US"/>
           </a:p>
@@ -1842,7 +1847,7 @@
             <a:fld id="{AAA274FE-DCD2-4968-AFE0-C8FFE5A629E6}" type="datetimeFigureOut">
               <a:rPr lang="en-US" smtClean="0"/>
               <a:pPr/>
-              <a:t>4/21/2022</a:t>
+              <a:t>4/22/2022</a:t>
             </a:fld>
             <a:endParaRPr lang="en-US"/>
           </a:p>
@@ -1934,7 +1939,7 @@
             <a:fld id="{AAA274FE-DCD2-4968-AFE0-C8FFE5A629E6}" type="datetimeFigureOut">
               <a:rPr lang="en-US" smtClean="0"/>
               <a:pPr/>
-              <a:t>4/21/2022</a:t>
+              <a:t>4/22/2022</a:t>
             </a:fld>
             <a:endParaRPr lang="en-US"/>
           </a:p>
@@ -2196,7 +2201,7 @@
             <a:fld id="{AAA274FE-DCD2-4968-AFE0-C8FFE5A629E6}" type="datetimeFigureOut">
               <a:rPr lang="en-US" smtClean="0"/>
               <a:pPr/>
-              <a:t>4/21/2022</a:t>
+              <a:t>4/22/2022</a:t>
             </a:fld>
             <a:endParaRPr lang="en-US"/>
           </a:p>
@@ -2485,7 +2490,7 @@
             <a:fld id="{AAA274FE-DCD2-4968-AFE0-C8FFE5A629E6}" type="datetimeFigureOut">
               <a:rPr lang="en-US" smtClean="0"/>
               <a:pPr/>
-              <a:t>4/21/2022</a:t>
+              <a:t>4/22/2022</a:t>
             </a:fld>
             <a:endParaRPr lang="en-US"/>
           </a:p>
@@ -3256,7 +3261,7 @@
             <a:fld id="{AAA274FE-DCD2-4968-AFE0-C8FFE5A629E6}" type="datetimeFigureOut">
               <a:rPr lang="en-US" smtClean="0"/>
               <a:pPr/>
-              <a:t>4/21/2022</a:t>
+              <a:t>4/22/2022</a:t>
             </a:fld>
             <a:endParaRPr lang="en-US"/>
           </a:p>
@@ -3988,7 +3993,7 @@
         </p:spPr>
         <p:txBody>
           <a:bodyPr>
-            <a:normAutofit fontScale="92500" lnSpcReduction="10000"/>
+            <a:normAutofit/>
           </a:bodyPr>
           <a:lstStyle/>
           <a:p>
@@ -4001,7 +4006,7 @@
             <a:pPr lvl="1"/>
             <a:r>
               <a:rPr lang="en-US" dirty="0"/>
-              <a:t>The security pillar describes how to take advantage of cloud technologies to protect data, systems, and assets in a way that can improve your security posture.</a:t>
+              <a:t>How do you protect data, systems, and assets in a way that can improve your security posture?</a:t>
             </a:r>
           </a:p>
           <a:p>
@@ -4015,35 +4020,28 @@
             <a:pPr lvl="2"/>
             <a:r>
               <a:rPr lang="en-US" dirty="0"/>
-              <a:t>How do you securely operate your workload?</a:t>
-            </a:r>
-          </a:p>
-          <a:p>
-            <a:pPr lvl="3"/>
+              <a:t>Do you have MFA enabled for the 'root’ and IAM user for your AWS account?</a:t>
+            </a:r>
+          </a:p>
+          <a:p>
+            <a:pPr lvl="2"/>
             <a:r>
               <a:rPr lang="en-US" dirty="0"/>
-              <a:t>Identity and Access Management</a:t>
+              <a:t>Do you have password policy set for your AWS account?</a:t>
             </a:r>
           </a:p>
           <a:p>
             <a:pPr lvl="2"/>
             <a:r>
               <a:rPr lang="en-US" dirty="0"/>
-              <a:t>How do you manage identities for people and machines?</a:t>
+              <a:t>Are you encrypting EBS volumes and S3 buckets?</a:t>
             </a:r>
           </a:p>
           <a:p>
             <a:pPr lvl="2"/>
             <a:r>
               <a:rPr lang="en-US" dirty="0"/>
-              <a:t>How do you detect and investigate security events?</a:t>
-            </a:r>
-          </a:p>
-          <a:p>
-            <a:pPr lvl="2"/>
-            <a:r>
-              <a:rPr lang="en-US" dirty="0"/>
-              <a:t>How do you protect your network resources?</a:t>
+              <a:t>Are you capturing all CloudTrail events in your account?</a:t>
             </a:r>
           </a:p>
         </p:txBody>
@@ -4104,15 +4102,33 @@
                                   </p:childTnLst>
                                 </p:cTn>
                               </p:par>
+                            </p:childTnLst>
+                          </p:cTn>
+                        </p:par>
+                      </p:childTnLst>
+                    </p:cTn>
+                  </p:par>
+                  <p:par>
+                    <p:cTn id="7" fill="hold">
+                      <p:stCondLst>
+                        <p:cond delay="indefinite"/>
+                      </p:stCondLst>
+                      <p:childTnLst>
+                        <p:par>
+                          <p:cTn id="8" fill="hold">
+                            <p:stCondLst>
+                              <p:cond delay="0"/>
+                            </p:stCondLst>
+                            <p:childTnLst>
                               <p:par>
-                                <p:cTn id="7" presetID="1" presetClass="entr" presetSubtype="0" fill="hold" grpId="0" nodeType="withEffect">
+                                <p:cTn id="9" presetID="1" presetClass="entr" presetSubtype="0" fill="hold" grpId="0" nodeType="clickEffect">
                                   <p:stCondLst>
                                     <p:cond delay="0"/>
                                   </p:stCondLst>
                                   <p:childTnLst>
                                     <p:set>
                                       <p:cBhvr>
-                                        <p:cTn id="8" dur="1" fill="hold">
+                                        <p:cTn id="10" dur="1" fill="hold">
                                           <p:stCondLst>
                                             <p:cond delay="0"/>
                                           </p:stCondLst>
@@ -4135,15 +4151,33 @@
                                   </p:childTnLst>
                                 </p:cTn>
                               </p:par>
+                            </p:childTnLst>
+                          </p:cTn>
+                        </p:par>
+                      </p:childTnLst>
+                    </p:cTn>
+                  </p:par>
+                  <p:par>
+                    <p:cTn id="11" fill="hold">
+                      <p:stCondLst>
+                        <p:cond delay="indefinite"/>
+                      </p:stCondLst>
+                      <p:childTnLst>
+                        <p:par>
+                          <p:cTn id="12" fill="hold">
+                            <p:stCondLst>
+                              <p:cond delay="0"/>
+                            </p:stCondLst>
+                            <p:childTnLst>
                               <p:par>
-                                <p:cTn id="9" presetID="1" presetClass="entr" presetSubtype="0" fill="hold" grpId="0" nodeType="withEffect">
+                                <p:cTn id="13" presetID="1" presetClass="entr" presetSubtype="0" fill="hold" grpId="0" nodeType="clickEffect">
                                   <p:stCondLst>
                                     <p:cond delay="0"/>
                                   </p:stCondLst>
                                   <p:childTnLst>
                                     <p:set>
                                       <p:cBhvr>
-                                        <p:cTn id="10" dur="1" fill="hold">
+                                        <p:cTn id="14" dur="1" fill="hold">
                                           <p:stCondLst>
                                             <p:cond delay="0"/>
                                           </p:stCondLst>
@@ -4166,15 +4200,33 @@
                                   </p:childTnLst>
                                 </p:cTn>
                               </p:par>
+                            </p:childTnLst>
+                          </p:cTn>
+                        </p:par>
+                      </p:childTnLst>
+                    </p:cTn>
+                  </p:par>
+                  <p:par>
+                    <p:cTn id="15" fill="hold">
+                      <p:stCondLst>
+                        <p:cond delay="indefinite"/>
+                      </p:stCondLst>
+                      <p:childTnLst>
+                        <p:par>
+                          <p:cTn id="16" fill="hold">
+                            <p:stCondLst>
+                              <p:cond delay="0"/>
+                            </p:stCondLst>
+                            <p:childTnLst>
                               <p:par>
-                                <p:cTn id="11" presetID="1" presetClass="entr" presetSubtype="0" fill="hold" grpId="0" nodeType="withEffect">
+                                <p:cTn id="17" presetID="1" presetClass="entr" presetSubtype="0" fill="hold" grpId="0" nodeType="clickEffect">
                                   <p:stCondLst>
                                     <p:cond delay="0"/>
                                   </p:stCondLst>
                                   <p:childTnLst>
                                     <p:set>
                                       <p:cBhvr>
-                                        <p:cTn id="12" dur="1" fill="hold">
+                                        <p:cTn id="18" dur="1" fill="hold">
                                           <p:stCondLst>
                                             <p:cond delay="0"/>
                                           </p:stCondLst>
@@ -4197,15 +4249,33 @@
                                   </p:childTnLst>
                                 </p:cTn>
                               </p:par>
+                            </p:childTnLst>
+                          </p:cTn>
+                        </p:par>
+                      </p:childTnLst>
+                    </p:cTn>
+                  </p:par>
+                  <p:par>
+                    <p:cTn id="19" fill="hold">
+                      <p:stCondLst>
+                        <p:cond delay="indefinite"/>
+                      </p:stCondLst>
+                      <p:childTnLst>
+                        <p:par>
+                          <p:cTn id="20" fill="hold">
+                            <p:stCondLst>
+                              <p:cond delay="0"/>
+                            </p:stCondLst>
+                            <p:childTnLst>
                               <p:par>
-                                <p:cTn id="13" presetID="1" presetClass="entr" presetSubtype="0" fill="hold" grpId="0" nodeType="withEffect">
+                                <p:cTn id="21" presetID="1" presetClass="entr" presetSubtype="0" fill="hold" grpId="0" nodeType="clickEffect">
                                   <p:stCondLst>
                                     <p:cond delay="0"/>
                                   </p:stCondLst>
                                   <p:childTnLst>
                                     <p:set>
                                       <p:cBhvr>
-                                        <p:cTn id="14" dur="1" fill="hold">
+                                        <p:cTn id="22" dur="1" fill="hold">
                                           <p:stCondLst>
                                             <p:cond delay="0"/>
                                           </p:stCondLst>
@@ -4228,15 +4298,33 @@
                                   </p:childTnLst>
                                 </p:cTn>
                               </p:par>
+                            </p:childTnLst>
+                          </p:cTn>
+                        </p:par>
+                      </p:childTnLst>
+                    </p:cTn>
+                  </p:par>
+                  <p:par>
+                    <p:cTn id="23" fill="hold">
+                      <p:stCondLst>
+                        <p:cond delay="indefinite"/>
+                      </p:stCondLst>
+                      <p:childTnLst>
+                        <p:par>
+                          <p:cTn id="24" fill="hold">
+                            <p:stCondLst>
+                              <p:cond delay="0"/>
+                            </p:stCondLst>
+                            <p:childTnLst>
                               <p:par>
-                                <p:cTn id="15" presetID="1" presetClass="entr" presetSubtype="0" fill="hold" grpId="0" nodeType="withEffect">
+                                <p:cTn id="25" presetID="1" presetClass="entr" presetSubtype="0" fill="hold" grpId="0" nodeType="clickEffect">
                                   <p:stCondLst>
                                     <p:cond delay="0"/>
                                   </p:stCondLst>
                                   <p:childTnLst>
                                     <p:set>
                                       <p:cBhvr>
-                                        <p:cTn id="16" dur="1" fill="hold">
+                                        <p:cTn id="26" dur="1" fill="hold">
                                           <p:stCondLst>
                                             <p:cond delay="0"/>
                                           </p:stCondLst>
@@ -4259,15 +4347,33 @@
                                   </p:childTnLst>
                                 </p:cTn>
                               </p:par>
+                            </p:childTnLst>
+                          </p:cTn>
+                        </p:par>
+                      </p:childTnLst>
+                    </p:cTn>
+                  </p:par>
+                  <p:par>
+                    <p:cTn id="27" fill="hold">
+                      <p:stCondLst>
+                        <p:cond delay="indefinite"/>
+                      </p:stCondLst>
+                      <p:childTnLst>
+                        <p:par>
+                          <p:cTn id="28" fill="hold">
+                            <p:stCondLst>
+                              <p:cond delay="0"/>
+                            </p:stCondLst>
+                            <p:childTnLst>
                               <p:par>
-                                <p:cTn id="17" presetID="1" presetClass="entr" presetSubtype="0" fill="hold" grpId="0" nodeType="withEffect">
+                                <p:cTn id="29" presetID="1" presetClass="entr" presetSubtype="0" fill="hold" grpId="0" nodeType="clickEffect">
                                   <p:stCondLst>
                                     <p:cond delay="0"/>
                                   </p:stCondLst>
                                   <p:childTnLst>
                                     <p:set>
                                       <p:cBhvr>
-                                        <p:cTn id="18" dur="1" fill="hold">
+                                        <p:cTn id="30" dur="1" fill="hold">
                                           <p:stCondLst>
                                             <p:cond delay="0"/>
                                           </p:stCondLst>
@@ -4290,15 +4396,173 @@
                                   </p:childTnLst>
                                 </p:cTn>
                               </p:par>
+                            </p:childTnLst>
+                          </p:cTn>
+                        </p:par>
+                      </p:childTnLst>
+                    </p:cTn>
+                  </p:par>
+                </p:childTnLst>
+              </p:cTn>
+              <p:prevCondLst>
+                <p:cond evt="onPrev" delay="0">
+                  <p:tgtEl>
+                    <p:sldTgt/>
+                  </p:tgtEl>
+                </p:cond>
+              </p:prevCondLst>
+              <p:nextCondLst>
+                <p:cond evt="onNext" delay="0">
+                  <p:tgtEl>
+                    <p:sldTgt/>
+                  </p:tgtEl>
+                </p:cond>
+              </p:nextCondLst>
+            </p:seq>
+          </p:childTnLst>
+        </p:cTn>
+      </p:par>
+    </p:tnLst>
+    <p:bldLst>
+      <p:bldP spid="3" grpId="0" uiExpand="1" build="p"/>
+    </p:bldLst>
+  </p:timing>
+</p:sld>
+</file>
+
+<file path=ppt/slides/slide3.xml><?xml version="1.0" encoding="utf-8"?>
+<p:sld xmlns:a="http://schemas.openxmlformats.org/drawingml/2006/main" xmlns:r="http://schemas.openxmlformats.org/officeDocument/2006/relationships" xmlns:p="http://schemas.openxmlformats.org/presentationml/2006/main">
+  <p:cSld>
+    <p:spTree>
+      <p:nvGrpSpPr>
+        <p:cNvPr id="1" name=""/>
+        <p:cNvGrpSpPr/>
+        <p:nvPr/>
+      </p:nvGrpSpPr>
+      <p:grpSpPr>
+        <a:xfrm>
+          <a:off x="0" y="0"/>
+          <a:ext cx="0" cy="0"/>
+          <a:chOff x="0" y="0"/>
+          <a:chExt cx="0" cy="0"/>
+        </a:xfrm>
+      </p:grpSpPr>
+      <p:sp>
+        <p:nvSpPr>
+          <p:cNvPr id="2" name="Title 1"/>
+          <p:cNvSpPr>
+            <a:spLocks noGrp="1"/>
+          </p:cNvSpPr>
+          <p:nvPr>
+            <p:ph type="title"/>
+          </p:nvPr>
+        </p:nvSpPr>
+        <p:spPr>
+          <a:xfrm>
+            <a:off x="0" y="1066800"/>
+            <a:ext cx="9144000" cy="1143000"/>
+          </a:xfrm>
+        </p:spPr>
+        <p:txBody>
+          <a:bodyPr>
+            <a:noAutofit/>
+          </a:bodyPr>
+          <a:lstStyle/>
+          <a:p>
+            <a:pPr algn="ctr"/>
+            <a:br>
+              <a:rPr lang="en-US" sz="4000" dirty="0"/>
+            </a:br>
+            <a:r>
+              <a:rPr lang="en-US" sz="4000" b="1" dirty="0"/>
+              <a:t>The pillars of the AWS Well-Architected Framework</a:t>
+            </a:r>
+            <a:endParaRPr lang="en-US" sz="4000" dirty="0"/>
+          </a:p>
+        </p:txBody>
+      </p:sp>
+      <p:sp>
+        <p:nvSpPr>
+          <p:cNvPr id="3" name="Content Placeholder 2"/>
+          <p:cNvSpPr>
+            <a:spLocks noGrp="1"/>
+          </p:cNvSpPr>
+          <p:nvPr>
+            <p:ph idx="1"/>
+          </p:nvPr>
+        </p:nvSpPr>
+        <p:spPr>
+          <a:xfrm>
+            <a:off x="0" y="2362200"/>
+            <a:ext cx="9144000" cy="3962400"/>
+          </a:xfrm>
+        </p:spPr>
+        <p:txBody>
+          <a:bodyPr>
+            <a:normAutofit/>
+          </a:bodyPr>
+          <a:lstStyle/>
+          <a:p>
+            <a:r>
+              <a:rPr lang="en-US" b="1" dirty="0"/>
+              <a:t>Reliability:</a:t>
+            </a:r>
+          </a:p>
+          <a:p>
+            <a:pPr lvl="1"/>
+            <a:r>
+              <a:rPr lang="en-US" dirty="0"/>
+              <a:t>This includes the ability to operate and test the workload through its total lifecycle to perform its intended function correctly and consistently when it’s expected to.. </a:t>
+            </a:r>
+          </a:p>
+          <a:p>
+            <a:pPr lvl="1"/>
+            <a:r>
+              <a:rPr lang="en-US" dirty="0"/>
+              <a:t>A solutions Architect should be able to follow recommended guidelines and best practice for implementing reliable workloads on AWS.</a:t>
+            </a:r>
+          </a:p>
+        </p:txBody>
+      </p:sp>
+    </p:spTree>
+    <p:extLst>
+      <p:ext uri="{BB962C8B-B14F-4D97-AF65-F5344CB8AC3E}">
+        <p14:creationId xmlns:p14="http://schemas.microsoft.com/office/powerpoint/2010/main" val="470267829"/>
+      </p:ext>
+    </p:extLst>
+  </p:cSld>
+  <p:clrMapOvr>
+    <a:masterClrMapping/>
+  </p:clrMapOvr>
+  <p:timing>
+    <p:tnLst>
+      <p:par>
+        <p:cTn id="1" dur="indefinite" restart="never" nodeType="tmRoot">
+          <p:childTnLst>
+            <p:seq concurrent="1" nextAc="seek">
+              <p:cTn id="2" dur="indefinite" nodeType="mainSeq">
+                <p:childTnLst>
+                  <p:par>
+                    <p:cTn id="3" fill="hold">
+                      <p:stCondLst>
+                        <p:cond delay="indefinite"/>
+                      </p:stCondLst>
+                      <p:childTnLst>
+                        <p:par>
+                          <p:cTn id="4" fill="hold">
+                            <p:stCondLst>
+                              <p:cond delay="0"/>
+                            </p:stCondLst>
+                            <p:childTnLst>
                               <p:par>
-                                <p:cTn id="19" presetID="1" presetClass="entr" presetSubtype="0" fill="hold" grpId="0" nodeType="withEffect">
+                                <p:cTn id="5" presetID="1" presetClass="entr" presetSubtype="0" fill="hold" grpId="0" nodeType="clickEffect">
                                   <p:stCondLst>
                                     <p:cond delay="0"/>
                                   </p:stCondLst>
                                   <p:childTnLst>
                                     <p:set>
                                       <p:cBhvr>
-                                        <p:cTn id="20" dur="1" fill="hold">
+                                        <p:cTn id="6" dur="1" fill="hold">
                                           <p:stCondLst>
                                             <p:cond delay="0"/>
                                           </p:stCondLst>
@@ -4306,7 +4570,1197 @@
                                         <p:tgtEl>
                                           <p:spTgt spid="3">
                                             <p:txEl>
-                                              <p:pRg st="7" end="7"/>
+                                              <p:pRg st="0" end="0"/>
+                                            </p:txEl>
+                                          </p:spTgt>
+                                        </p:tgtEl>
+                                        <p:attrNameLst>
+                                          <p:attrName>style.visibility</p:attrName>
+                                        </p:attrNameLst>
+                                      </p:cBhvr>
+                                      <p:to>
+                                        <p:strVal val="visible"/>
+                                      </p:to>
+                                    </p:set>
+                                  </p:childTnLst>
+                                </p:cTn>
+                              </p:par>
+                            </p:childTnLst>
+                          </p:cTn>
+                        </p:par>
+                      </p:childTnLst>
+                    </p:cTn>
+                  </p:par>
+                  <p:par>
+                    <p:cTn id="7" fill="hold">
+                      <p:stCondLst>
+                        <p:cond delay="indefinite"/>
+                      </p:stCondLst>
+                      <p:childTnLst>
+                        <p:par>
+                          <p:cTn id="8" fill="hold">
+                            <p:stCondLst>
+                              <p:cond delay="0"/>
+                            </p:stCondLst>
+                            <p:childTnLst>
+                              <p:par>
+                                <p:cTn id="9" presetID="1" presetClass="entr" presetSubtype="0" fill="hold" grpId="0" nodeType="clickEffect">
+                                  <p:stCondLst>
+                                    <p:cond delay="0"/>
+                                  </p:stCondLst>
+                                  <p:childTnLst>
+                                    <p:set>
+                                      <p:cBhvr>
+                                        <p:cTn id="10" dur="1" fill="hold">
+                                          <p:stCondLst>
+                                            <p:cond delay="0"/>
+                                          </p:stCondLst>
+                                        </p:cTn>
+                                        <p:tgtEl>
+                                          <p:spTgt spid="3">
+                                            <p:txEl>
+                                              <p:pRg st="1" end="1"/>
+                                            </p:txEl>
+                                          </p:spTgt>
+                                        </p:tgtEl>
+                                        <p:attrNameLst>
+                                          <p:attrName>style.visibility</p:attrName>
+                                        </p:attrNameLst>
+                                      </p:cBhvr>
+                                      <p:to>
+                                        <p:strVal val="visible"/>
+                                      </p:to>
+                                    </p:set>
+                                  </p:childTnLst>
+                                </p:cTn>
+                              </p:par>
+                            </p:childTnLst>
+                          </p:cTn>
+                        </p:par>
+                      </p:childTnLst>
+                    </p:cTn>
+                  </p:par>
+                  <p:par>
+                    <p:cTn id="11" fill="hold">
+                      <p:stCondLst>
+                        <p:cond delay="indefinite"/>
+                      </p:stCondLst>
+                      <p:childTnLst>
+                        <p:par>
+                          <p:cTn id="12" fill="hold">
+                            <p:stCondLst>
+                              <p:cond delay="0"/>
+                            </p:stCondLst>
+                            <p:childTnLst>
+                              <p:par>
+                                <p:cTn id="13" presetID="1" presetClass="entr" presetSubtype="0" fill="hold" grpId="0" nodeType="clickEffect">
+                                  <p:stCondLst>
+                                    <p:cond delay="0"/>
+                                  </p:stCondLst>
+                                  <p:childTnLst>
+                                    <p:set>
+                                      <p:cBhvr>
+                                        <p:cTn id="14" dur="1" fill="hold">
+                                          <p:stCondLst>
+                                            <p:cond delay="0"/>
+                                          </p:stCondLst>
+                                        </p:cTn>
+                                        <p:tgtEl>
+                                          <p:spTgt spid="3">
+                                            <p:txEl>
+                                              <p:pRg st="2" end="2"/>
+                                            </p:txEl>
+                                          </p:spTgt>
+                                        </p:tgtEl>
+                                        <p:attrNameLst>
+                                          <p:attrName>style.visibility</p:attrName>
+                                        </p:attrNameLst>
+                                      </p:cBhvr>
+                                      <p:to>
+                                        <p:strVal val="visible"/>
+                                      </p:to>
+                                    </p:set>
+                                  </p:childTnLst>
+                                </p:cTn>
+                              </p:par>
+                            </p:childTnLst>
+                          </p:cTn>
+                        </p:par>
+                      </p:childTnLst>
+                    </p:cTn>
+                  </p:par>
+                </p:childTnLst>
+              </p:cTn>
+              <p:prevCondLst>
+                <p:cond evt="onPrev" delay="0">
+                  <p:tgtEl>
+                    <p:sldTgt/>
+                  </p:tgtEl>
+                </p:cond>
+              </p:prevCondLst>
+              <p:nextCondLst>
+                <p:cond evt="onNext" delay="0">
+                  <p:tgtEl>
+                    <p:sldTgt/>
+                  </p:tgtEl>
+                </p:cond>
+              </p:nextCondLst>
+            </p:seq>
+          </p:childTnLst>
+        </p:cTn>
+      </p:par>
+    </p:tnLst>
+    <p:bldLst>
+      <p:bldP spid="3" grpId="0" uiExpand="1" build="p"/>
+    </p:bldLst>
+  </p:timing>
+</p:sld>
+</file>
+
+<file path=ppt/slides/slide4.xml><?xml version="1.0" encoding="utf-8"?>
+<p:sld xmlns:a="http://schemas.openxmlformats.org/drawingml/2006/main" xmlns:r="http://schemas.openxmlformats.org/officeDocument/2006/relationships" xmlns:p="http://schemas.openxmlformats.org/presentationml/2006/main">
+  <p:cSld>
+    <p:spTree>
+      <p:nvGrpSpPr>
+        <p:cNvPr id="1" name=""/>
+        <p:cNvGrpSpPr/>
+        <p:nvPr/>
+      </p:nvGrpSpPr>
+      <p:grpSpPr>
+        <a:xfrm>
+          <a:off x="0" y="0"/>
+          <a:ext cx="0" cy="0"/>
+          <a:chOff x="0" y="0"/>
+          <a:chExt cx="0" cy="0"/>
+        </a:xfrm>
+      </p:grpSpPr>
+      <p:sp>
+        <p:nvSpPr>
+          <p:cNvPr id="2" name="Title 1"/>
+          <p:cNvSpPr>
+            <a:spLocks noGrp="1"/>
+          </p:cNvSpPr>
+          <p:nvPr>
+            <p:ph type="title"/>
+          </p:nvPr>
+        </p:nvSpPr>
+        <p:spPr>
+          <a:xfrm>
+            <a:off x="0" y="1066800"/>
+            <a:ext cx="9144000" cy="1143000"/>
+          </a:xfrm>
+        </p:spPr>
+        <p:txBody>
+          <a:bodyPr>
+            <a:noAutofit/>
+          </a:bodyPr>
+          <a:lstStyle/>
+          <a:p>
+            <a:pPr algn="ctr"/>
+            <a:br>
+              <a:rPr lang="en-US" sz="4000" dirty="0"/>
+            </a:br>
+            <a:r>
+              <a:rPr lang="en-US" sz="4000" b="1" dirty="0"/>
+              <a:t>The pillars of the AWS Well-Architected Framework</a:t>
+            </a:r>
+            <a:endParaRPr lang="en-US" sz="4000" dirty="0"/>
+          </a:p>
+        </p:txBody>
+      </p:sp>
+      <p:sp>
+        <p:nvSpPr>
+          <p:cNvPr id="3" name="Content Placeholder 2"/>
+          <p:cNvSpPr>
+            <a:spLocks noGrp="1"/>
+          </p:cNvSpPr>
+          <p:nvPr>
+            <p:ph idx="1"/>
+          </p:nvPr>
+        </p:nvSpPr>
+        <p:spPr>
+          <a:xfrm>
+            <a:off x="0" y="2362200"/>
+            <a:ext cx="9144000" cy="3962400"/>
+          </a:xfrm>
+        </p:spPr>
+        <p:txBody>
+          <a:bodyPr>
+            <a:normAutofit/>
+          </a:bodyPr>
+          <a:lstStyle/>
+          <a:p>
+            <a:r>
+              <a:rPr lang="en-US" b="1" dirty="0"/>
+              <a:t>Performance Efficiency:</a:t>
+            </a:r>
+          </a:p>
+          <a:p>
+            <a:pPr lvl="1"/>
+            <a:r>
+              <a:rPr lang="en-US" dirty="0"/>
+              <a:t>We can optimally leverage AWS services to run our workload while maintaining a well performed workload as it evolves over time.</a:t>
+            </a:r>
+          </a:p>
+        </p:txBody>
+      </p:sp>
+    </p:spTree>
+    <p:extLst>
+      <p:ext uri="{BB962C8B-B14F-4D97-AF65-F5344CB8AC3E}">
+        <p14:creationId xmlns:p14="http://schemas.microsoft.com/office/powerpoint/2010/main" val="1361162581"/>
+      </p:ext>
+    </p:extLst>
+  </p:cSld>
+  <p:clrMapOvr>
+    <a:masterClrMapping/>
+  </p:clrMapOvr>
+  <p:timing>
+    <p:tnLst>
+      <p:par>
+        <p:cTn id="1" dur="indefinite" restart="never" nodeType="tmRoot">
+          <p:childTnLst>
+            <p:seq concurrent="1" nextAc="seek">
+              <p:cTn id="2" dur="indefinite" nodeType="mainSeq">
+                <p:childTnLst>
+                  <p:par>
+                    <p:cTn id="3" fill="hold">
+                      <p:stCondLst>
+                        <p:cond delay="indefinite"/>
+                      </p:stCondLst>
+                      <p:childTnLst>
+                        <p:par>
+                          <p:cTn id="4" fill="hold">
+                            <p:stCondLst>
+                              <p:cond delay="0"/>
+                            </p:stCondLst>
+                            <p:childTnLst>
+                              <p:par>
+                                <p:cTn id="5" presetID="1" presetClass="entr" presetSubtype="0" fill="hold" grpId="0" nodeType="clickEffect">
+                                  <p:stCondLst>
+                                    <p:cond delay="0"/>
+                                  </p:stCondLst>
+                                  <p:childTnLst>
+                                    <p:set>
+                                      <p:cBhvr>
+                                        <p:cTn id="6" dur="1" fill="hold">
+                                          <p:stCondLst>
+                                            <p:cond delay="0"/>
+                                          </p:stCondLst>
+                                        </p:cTn>
+                                        <p:tgtEl>
+                                          <p:spTgt spid="3">
+                                            <p:txEl>
+                                              <p:pRg st="0" end="0"/>
+                                            </p:txEl>
+                                          </p:spTgt>
+                                        </p:tgtEl>
+                                        <p:attrNameLst>
+                                          <p:attrName>style.visibility</p:attrName>
+                                        </p:attrNameLst>
+                                      </p:cBhvr>
+                                      <p:to>
+                                        <p:strVal val="visible"/>
+                                      </p:to>
+                                    </p:set>
+                                  </p:childTnLst>
+                                </p:cTn>
+                              </p:par>
+                            </p:childTnLst>
+                          </p:cTn>
+                        </p:par>
+                      </p:childTnLst>
+                    </p:cTn>
+                  </p:par>
+                  <p:par>
+                    <p:cTn id="7" fill="hold">
+                      <p:stCondLst>
+                        <p:cond delay="indefinite"/>
+                      </p:stCondLst>
+                      <p:childTnLst>
+                        <p:par>
+                          <p:cTn id="8" fill="hold">
+                            <p:stCondLst>
+                              <p:cond delay="0"/>
+                            </p:stCondLst>
+                            <p:childTnLst>
+                              <p:par>
+                                <p:cTn id="9" presetID="1" presetClass="entr" presetSubtype="0" fill="hold" grpId="0" nodeType="clickEffect">
+                                  <p:stCondLst>
+                                    <p:cond delay="0"/>
+                                  </p:stCondLst>
+                                  <p:childTnLst>
+                                    <p:set>
+                                      <p:cBhvr>
+                                        <p:cTn id="10" dur="1" fill="hold">
+                                          <p:stCondLst>
+                                            <p:cond delay="0"/>
+                                          </p:stCondLst>
+                                        </p:cTn>
+                                        <p:tgtEl>
+                                          <p:spTgt spid="3">
+                                            <p:txEl>
+                                              <p:charRg st="24" end="152"/>
+                                            </p:txEl>
+                                          </p:spTgt>
+                                        </p:tgtEl>
+                                        <p:attrNameLst>
+                                          <p:attrName>style.visibility</p:attrName>
+                                        </p:attrNameLst>
+                                      </p:cBhvr>
+                                      <p:to>
+                                        <p:strVal val="visible"/>
+                                      </p:to>
+                                    </p:set>
+                                  </p:childTnLst>
+                                </p:cTn>
+                              </p:par>
+                            </p:childTnLst>
+                          </p:cTn>
+                        </p:par>
+                      </p:childTnLst>
+                    </p:cTn>
+                  </p:par>
+                </p:childTnLst>
+              </p:cTn>
+              <p:prevCondLst>
+                <p:cond evt="onPrev" delay="0">
+                  <p:tgtEl>
+                    <p:sldTgt/>
+                  </p:tgtEl>
+                </p:cond>
+              </p:prevCondLst>
+              <p:nextCondLst>
+                <p:cond evt="onNext" delay="0">
+                  <p:tgtEl>
+                    <p:sldTgt/>
+                  </p:tgtEl>
+                </p:cond>
+              </p:nextCondLst>
+            </p:seq>
+          </p:childTnLst>
+        </p:cTn>
+      </p:par>
+    </p:tnLst>
+    <p:bldLst>
+      <p:bldP spid="3" grpId="0" uiExpand="1" build="p"/>
+    </p:bldLst>
+  </p:timing>
+</p:sld>
+</file>
+
+<file path=ppt/slides/slide5.xml><?xml version="1.0" encoding="utf-8"?>
+<p:sld xmlns:a="http://schemas.openxmlformats.org/drawingml/2006/main" xmlns:r="http://schemas.openxmlformats.org/officeDocument/2006/relationships" xmlns:p="http://schemas.openxmlformats.org/presentationml/2006/main">
+  <p:cSld>
+    <p:spTree>
+      <p:nvGrpSpPr>
+        <p:cNvPr id="1" name=""/>
+        <p:cNvGrpSpPr/>
+        <p:nvPr/>
+      </p:nvGrpSpPr>
+      <p:grpSpPr>
+        <a:xfrm>
+          <a:off x="0" y="0"/>
+          <a:ext cx="0" cy="0"/>
+          <a:chOff x="0" y="0"/>
+          <a:chExt cx="0" cy="0"/>
+        </a:xfrm>
+      </p:grpSpPr>
+      <p:sp>
+        <p:nvSpPr>
+          <p:cNvPr id="2" name="Title 1"/>
+          <p:cNvSpPr>
+            <a:spLocks noGrp="1"/>
+          </p:cNvSpPr>
+          <p:nvPr>
+            <p:ph type="title"/>
+          </p:nvPr>
+        </p:nvSpPr>
+        <p:spPr>
+          <a:xfrm>
+            <a:off x="0" y="1066800"/>
+            <a:ext cx="9144000" cy="1143000"/>
+          </a:xfrm>
+        </p:spPr>
+        <p:txBody>
+          <a:bodyPr>
+            <a:noAutofit/>
+          </a:bodyPr>
+          <a:lstStyle/>
+          <a:p>
+            <a:pPr algn="ctr"/>
+            <a:br>
+              <a:rPr lang="en-US" sz="4000" dirty="0"/>
+            </a:br>
+            <a:r>
+              <a:rPr lang="en-US" sz="4000" b="1" dirty="0"/>
+              <a:t>The pillars of the AWS Well-Architected Framework</a:t>
+            </a:r>
+            <a:endParaRPr lang="en-US" sz="4000" dirty="0"/>
+          </a:p>
+        </p:txBody>
+      </p:sp>
+      <p:sp>
+        <p:nvSpPr>
+          <p:cNvPr id="3" name="Content Placeholder 2"/>
+          <p:cNvSpPr>
+            <a:spLocks noGrp="1"/>
+          </p:cNvSpPr>
+          <p:nvPr>
+            <p:ph idx="1"/>
+          </p:nvPr>
+        </p:nvSpPr>
+        <p:spPr>
+          <a:xfrm>
+            <a:off x="0" y="2362200"/>
+            <a:ext cx="9144000" cy="3962400"/>
+          </a:xfrm>
+        </p:spPr>
+        <p:txBody>
+          <a:bodyPr>
+            <a:normAutofit/>
+          </a:bodyPr>
+          <a:lstStyle/>
+          <a:p>
+            <a:r>
+              <a:rPr lang="en-US" b="1" dirty="0"/>
+              <a:t>Cost Optimization:</a:t>
+            </a:r>
+          </a:p>
+          <a:p>
+            <a:pPr lvl="1"/>
+            <a:r>
+              <a:rPr lang="en-US" dirty="0"/>
+              <a:t>The ability to run systems to deliver business value at the lowest price point.</a:t>
+            </a:r>
+          </a:p>
+          <a:p>
+            <a:pPr lvl="1"/>
+            <a:r>
+              <a:rPr lang="en-US" dirty="0"/>
+              <a:t>This means diving into a world where we have a choice to utilize services on a pay-as-you-go pricing model. </a:t>
+            </a:r>
+          </a:p>
+          <a:p>
+            <a:pPr lvl="2"/>
+            <a:r>
+              <a:rPr lang="en-US" dirty="0"/>
+              <a:t>In certain situations, we are given an option to make commitments to further incur more savings without risking losing value in the workload we manage in the cloud.</a:t>
+            </a:r>
+          </a:p>
+        </p:txBody>
+      </p:sp>
+    </p:spTree>
+    <p:extLst>
+      <p:ext uri="{BB962C8B-B14F-4D97-AF65-F5344CB8AC3E}">
+        <p14:creationId xmlns:p14="http://schemas.microsoft.com/office/powerpoint/2010/main" val="1781184157"/>
+      </p:ext>
+    </p:extLst>
+  </p:cSld>
+  <p:clrMapOvr>
+    <a:masterClrMapping/>
+  </p:clrMapOvr>
+  <p:timing>
+    <p:tnLst>
+      <p:par>
+        <p:cTn id="1" dur="indefinite" restart="never" nodeType="tmRoot">
+          <p:childTnLst>
+            <p:seq concurrent="1" nextAc="seek">
+              <p:cTn id="2" dur="indefinite" nodeType="mainSeq">
+                <p:childTnLst>
+                  <p:par>
+                    <p:cTn id="3" fill="hold">
+                      <p:stCondLst>
+                        <p:cond delay="indefinite"/>
+                      </p:stCondLst>
+                      <p:childTnLst>
+                        <p:par>
+                          <p:cTn id="4" fill="hold">
+                            <p:stCondLst>
+                              <p:cond delay="0"/>
+                            </p:stCondLst>
+                            <p:childTnLst>
+                              <p:par>
+                                <p:cTn id="5" presetID="1" presetClass="entr" presetSubtype="0" fill="hold" grpId="0" nodeType="clickEffect">
+                                  <p:stCondLst>
+                                    <p:cond delay="0"/>
+                                  </p:stCondLst>
+                                  <p:childTnLst>
+                                    <p:set>
+                                      <p:cBhvr>
+                                        <p:cTn id="6" dur="1" fill="hold">
+                                          <p:stCondLst>
+                                            <p:cond delay="0"/>
+                                          </p:stCondLst>
+                                        </p:cTn>
+                                        <p:tgtEl>
+                                          <p:spTgt spid="3">
+                                            <p:txEl>
+                                              <p:pRg st="0" end="0"/>
+                                            </p:txEl>
+                                          </p:spTgt>
+                                        </p:tgtEl>
+                                        <p:attrNameLst>
+                                          <p:attrName>style.visibility</p:attrName>
+                                        </p:attrNameLst>
+                                      </p:cBhvr>
+                                      <p:to>
+                                        <p:strVal val="visible"/>
+                                      </p:to>
+                                    </p:set>
+                                  </p:childTnLst>
+                                </p:cTn>
+                              </p:par>
+                            </p:childTnLst>
+                          </p:cTn>
+                        </p:par>
+                      </p:childTnLst>
+                    </p:cTn>
+                  </p:par>
+                  <p:par>
+                    <p:cTn id="7" fill="hold">
+                      <p:stCondLst>
+                        <p:cond delay="indefinite"/>
+                      </p:stCondLst>
+                      <p:childTnLst>
+                        <p:par>
+                          <p:cTn id="8" fill="hold">
+                            <p:stCondLst>
+                              <p:cond delay="0"/>
+                            </p:stCondLst>
+                            <p:childTnLst>
+                              <p:par>
+                                <p:cTn id="9" presetID="1" presetClass="entr" presetSubtype="0" fill="hold" grpId="0" nodeType="clickEffect">
+                                  <p:stCondLst>
+                                    <p:cond delay="0"/>
+                                  </p:stCondLst>
+                                  <p:childTnLst>
+                                    <p:set>
+                                      <p:cBhvr>
+                                        <p:cTn id="10" dur="1" fill="hold">
+                                          <p:stCondLst>
+                                            <p:cond delay="0"/>
+                                          </p:stCondLst>
+                                        </p:cTn>
+                                        <p:tgtEl>
+                                          <p:spTgt spid="3">
+                                            <p:txEl>
+                                              <p:charRg st="19" end="99"/>
+                                            </p:txEl>
+                                          </p:spTgt>
+                                        </p:tgtEl>
+                                        <p:attrNameLst>
+                                          <p:attrName>style.visibility</p:attrName>
+                                        </p:attrNameLst>
+                                      </p:cBhvr>
+                                      <p:to>
+                                        <p:strVal val="visible"/>
+                                      </p:to>
+                                    </p:set>
+                                  </p:childTnLst>
+                                </p:cTn>
+                              </p:par>
+                            </p:childTnLst>
+                          </p:cTn>
+                        </p:par>
+                      </p:childTnLst>
+                    </p:cTn>
+                  </p:par>
+                  <p:par>
+                    <p:cTn id="11" fill="hold">
+                      <p:stCondLst>
+                        <p:cond delay="indefinite"/>
+                      </p:stCondLst>
+                      <p:childTnLst>
+                        <p:par>
+                          <p:cTn id="12" fill="hold">
+                            <p:stCondLst>
+                              <p:cond delay="0"/>
+                            </p:stCondLst>
+                            <p:childTnLst>
+                              <p:par>
+                                <p:cTn id="13" presetID="1" presetClass="entr" presetSubtype="0" fill="hold" grpId="0" nodeType="clickEffect">
+                                  <p:stCondLst>
+                                    <p:cond delay="0"/>
+                                  </p:stCondLst>
+                                  <p:childTnLst>
+                                    <p:set>
+                                      <p:cBhvr>
+                                        <p:cTn id="14" dur="1" fill="hold">
+                                          <p:stCondLst>
+                                            <p:cond delay="0"/>
+                                          </p:stCondLst>
+                                        </p:cTn>
+                                        <p:tgtEl>
+                                          <p:spTgt spid="3">
+                                            <p:txEl>
+                                              <p:charRg st="99" end="208"/>
+                                            </p:txEl>
+                                          </p:spTgt>
+                                        </p:tgtEl>
+                                        <p:attrNameLst>
+                                          <p:attrName>style.visibility</p:attrName>
+                                        </p:attrNameLst>
+                                      </p:cBhvr>
+                                      <p:to>
+                                        <p:strVal val="visible"/>
+                                      </p:to>
+                                    </p:set>
+                                  </p:childTnLst>
+                                </p:cTn>
+                              </p:par>
+                            </p:childTnLst>
+                          </p:cTn>
+                        </p:par>
+                      </p:childTnLst>
+                    </p:cTn>
+                  </p:par>
+                  <p:par>
+                    <p:cTn id="15" fill="hold">
+                      <p:stCondLst>
+                        <p:cond delay="indefinite"/>
+                      </p:stCondLst>
+                      <p:childTnLst>
+                        <p:par>
+                          <p:cTn id="16" fill="hold">
+                            <p:stCondLst>
+                              <p:cond delay="0"/>
+                            </p:stCondLst>
+                            <p:childTnLst>
+                              <p:par>
+                                <p:cTn id="17" presetID="1" presetClass="entr" presetSubtype="0" fill="hold" grpId="0" nodeType="clickEffect">
+                                  <p:stCondLst>
+                                    <p:cond delay="0"/>
+                                  </p:stCondLst>
+                                  <p:childTnLst>
+                                    <p:set>
+                                      <p:cBhvr>
+                                        <p:cTn id="18" dur="1" fill="hold">
+                                          <p:stCondLst>
+                                            <p:cond delay="0"/>
+                                          </p:stCondLst>
+                                        </p:cTn>
+                                        <p:tgtEl>
+                                          <p:spTgt spid="3">
+                                            <p:txEl>
+                                              <p:charRg st="208" end="373"/>
+                                            </p:txEl>
+                                          </p:spTgt>
+                                        </p:tgtEl>
+                                        <p:attrNameLst>
+                                          <p:attrName>style.visibility</p:attrName>
+                                        </p:attrNameLst>
+                                      </p:cBhvr>
+                                      <p:to>
+                                        <p:strVal val="visible"/>
+                                      </p:to>
+                                    </p:set>
+                                  </p:childTnLst>
+                                </p:cTn>
+                              </p:par>
+                            </p:childTnLst>
+                          </p:cTn>
+                        </p:par>
+                      </p:childTnLst>
+                    </p:cTn>
+                  </p:par>
+                </p:childTnLst>
+              </p:cTn>
+              <p:prevCondLst>
+                <p:cond evt="onPrev" delay="0">
+                  <p:tgtEl>
+                    <p:sldTgt/>
+                  </p:tgtEl>
+                </p:cond>
+              </p:prevCondLst>
+              <p:nextCondLst>
+                <p:cond evt="onNext" delay="0">
+                  <p:tgtEl>
+                    <p:sldTgt/>
+                  </p:tgtEl>
+                </p:cond>
+              </p:nextCondLst>
+            </p:seq>
+          </p:childTnLst>
+        </p:cTn>
+      </p:par>
+    </p:tnLst>
+    <p:bldLst>
+      <p:bldP spid="3" grpId="0" uiExpand="1" build="p"/>
+    </p:bldLst>
+  </p:timing>
+</p:sld>
+</file>
+
+<file path=ppt/slides/slide6.xml><?xml version="1.0" encoding="utf-8"?>
+<p:sld xmlns:a="http://schemas.openxmlformats.org/drawingml/2006/main" xmlns:r="http://schemas.openxmlformats.org/officeDocument/2006/relationships" xmlns:p="http://schemas.openxmlformats.org/presentationml/2006/main">
+  <p:cSld>
+    <p:spTree>
+      <p:nvGrpSpPr>
+        <p:cNvPr id="1" name=""/>
+        <p:cNvGrpSpPr/>
+        <p:nvPr/>
+      </p:nvGrpSpPr>
+      <p:grpSpPr>
+        <a:xfrm>
+          <a:off x="0" y="0"/>
+          <a:ext cx="0" cy="0"/>
+          <a:chOff x="0" y="0"/>
+          <a:chExt cx="0" cy="0"/>
+        </a:xfrm>
+      </p:grpSpPr>
+      <p:sp>
+        <p:nvSpPr>
+          <p:cNvPr id="2" name="Title 1"/>
+          <p:cNvSpPr>
+            <a:spLocks noGrp="1"/>
+          </p:cNvSpPr>
+          <p:nvPr>
+            <p:ph type="title"/>
+          </p:nvPr>
+        </p:nvSpPr>
+        <p:spPr>
+          <a:xfrm>
+            <a:off x="0" y="1066800"/>
+            <a:ext cx="9144000" cy="1143000"/>
+          </a:xfrm>
+        </p:spPr>
+        <p:txBody>
+          <a:bodyPr>
+            <a:noAutofit/>
+          </a:bodyPr>
+          <a:lstStyle/>
+          <a:p>
+            <a:pPr algn="ctr"/>
+            <a:br>
+              <a:rPr lang="en-US" sz="4000" dirty="0"/>
+            </a:br>
+            <a:r>
+              <a:rPr lang="en-US" sz="4000" b="1" dirty="0"/>
+              <a:t>The pillars of the AWS Well-Architected Framework</a:t>
+            </a:r>
+            <a:endParaRPr lang="en-US" sz="4000" dirty="0"/>
+          </a:p>
+        </p:txBody>
+      </p:sp>
+      <p:sp>
+        <p:nvSpPr>
+          <p:cNvPr id="3" name="Content Placeholder 2"/>
+          <p:cNvSpPr>
+            <a:spLocks noGrp="1"/>
+          </p:cNvSpPr>
+          <p:nvPr>
+            <p:ph idx="1"/>
+          </p:nvPr>
+        </p:nvSpPr>
+        <p:spPr>
+          <a:xfrm>
+            <a:off x="0" y="2362200"/>
+            <a:ext cx="9144000" cy="3962400"/>
+          </a:xfrm>
+        </p:spPr>
+        <p:txBody>
+          <a:bodyPr>
+            <a:normAutofit/>
+          </a:bodyPr>
+          <a:lstStyle/>
+          <a:p>
+            <a:r>
+              <a:rPr lang="en-US" b="1" dirty="0"/>
+              <a:t>Sustainability:</a:t>
+            </a:r>
+          </a:p>
+          <a:p>
+            <a:pPr lvl="1"/>
+            <a:r>
+              <a:rPr lang="en-US" dirty="0"/>
+              <a:t>We have an obligation to continuously monitor and improve sustainability by reducing energy consumption, increasing efficiency and maximizing the benefits on these provisioned resources as much as possible.</a:t>
+            </a:r>
+          </a:p>
+        </p:txBody>
+      </p:sp>
+    </p:spTree>
+    <p:extLst>
+      <p:ext uri="{BB962C8B-B14F-4D97-AF65-F5344CB8AC3E}">
+        <p14:creationId xmlns:p14="http://schemas.microsoft.com/office/powerpoint/2010/main" val="2229761002"/>
+      </p:ext>
+    </p:extLst>
+  </p:cSld>
+  <p:clrMapOvr>
+    <a:masterClrMapping/>
+  </p:clrMapOvr>
+  <p:timing>
+    <p:tnLst>
+      <p:par>
+        <p:cTn id="1" dur="indefinite" restart="never" nodeType="tmRoot">
+          <p:childTnLst>
+            <p:seq concurrent="1" nextAc="seek">
+              <p:cTn id="2" dur="indefinite" nodeType="mainSeq">
+                <p:childTnLst>
+                  <p:par>
+                    <p:cTn id="3" fill="hold">
+                      <p:stCondLst>
+                        <p:cond delay="indefinite"/>
+                      </p:stCondLst>
+                      <p:childTnLst>
+                        <p:par>
+                          <p:cTn id="4" fill="hold">
+                            <p:stCondLst>
+                              <p:cond delay="0"/>
+                            </p:stCondLst>
+                            <p:childTnLst>
+                              <p:par>
+                                <p:cTn id="5" presetID="1" presetClass="entr" presetSubtype="0" fill="hold" grpId="0" nodeType="clickEffect">
+                                  <p:stCondLst>
+                                    <p:cond delay="0"/>
+                                  </p:stCondLst>
+                                  <p:childTnLst>
+                                    <p:set>
+                                      <p:cBhvr>
+                                        <p:cTn id="6" dur="1" fill="hold">
+                                          <p:stCondLst>
+                                            <p:cond delay="0"/>
+                                          </p:stCondLst>
+                                        </p:cTn>
+                                        <p:tgtEl>
+                                          <p:spTgt spid="3">
+                                            <p:txEl>
+                                              <p:pRg st="0" end="0"/>
+                                            </p:txEl>
+                                          </p:spTgt>
+                                        </p:tgtEl>
+                                        <p:attrNameLst>
+                                          <p:attrName>style.visibility</p:attrName>
+                                        </p:attrNameLst>
+                                      </p:cBhvr>
+                                      <p:to>
+                                        <p:strVal val="visible"/>
+                                      </p:to>
+                                    </p:set>
+                                  </p:childTnLst>
+                                </p:cTn>
+                              </p:par>
+                            </p:childTnLst>
+                          </p:cTn>
+                        </p:par>
+                      </p:childTnLst>
+                    </p:cTn>
+                  </p:par>
+                  <p:par>
+                    <p:cTn id="7" fill="hold">
+                      <p:stCondLst>
+                        <p:cond delay="indefinite"/>
+                      </p:stCondLst>
+                      <p:childTnLst>
+                        <p:par>
+                          <p:cTn id="8" fill="hold">
+                            <p:stCondLst>
+                              <p:cond delay="0"/>
+                            </p:stCondLst>
+                            <p:childTnLst>
+                              <p:par>
+                                <p:cTn id="9" presetID="1" presetClass="entr" presetSubtype="0" fill="hold" grpId="0" nodeType="clickEffect">
+                                  <p:stCondLst>
+                                    <p:cond delay="0"/>
+                                  </p:stCondLst>
+                                  <p:childTnLst>
+                                    <p:set>
+                                      <p:cBhvr>
+                                        <p:cTn id="10" dur="1" fill="hold">
+                                          <p:stCondLst>
+                                            <p:cond delay="0"/>
+                                          </p:stCondLst>
+                                        </p:cTn>
+                                        <p:tgtEl>
+                                          <p:spTgt spid="3">
+                                            <p:txEl>
+                                              <p:charRg st="16" end="223"/>
+                                            </p:txEl>
+                                          </p:spTgt>
+                                        </p:tgtEl>
+                                        <p:attrNameLst>
+                                          <p:attrName>style.visibility</p:attrName>
+                                        </p:attrNameLst>
+                                      </p:cBhvr>
+                                      <p:to>
+                                        <p:strVal val="visible"/>
+                                      </p:to>
+                                    </p:set>
+                                  </p:childTnLst>
+                                </p:cTn>
+                              </p:par>
+                            </p:childTnLst>
+                          </p:cTn>
+                        </p:par>
+                      </p:childTnLst>
+                    </p:cTn>
+                  </p:par>
+                </p:childTnLst>
+              </p:cTn>
+              <p:prevCondLst>
+                <p:cond evt="onPrev" delay="0">
+                  <p:tgtEl>
+                    <p:sldTgt/>
+                  </p:tgtEl>
+                </p:cond>
+              </p:prevCondLst>
+              <p:nextCondLst>
+                <p:cond evt="onNext" delay="0">
+                  <p:tgtEl>
+                    <p:sldTgt/>
+                  </p:tgtEl>
+                </p:cond>
+              </p:nextCondLst>
+            </p:seq>
+          </p:childTnLst>
+        </p:cTn>
+      </p:par>
+    </p:tnLst>
+    <p:bldLst>
+      <p:bldP spid="3" grpId="0" uiExpand="1" build="p"/>
+    </p:bldLst>
+  </p:timing>
+</p:sld>
+</file>
+
+<file path=ppt/slides/slide7.xml><?xml version="1.0" encoding="utf-8"?>
+<p:sld xmlns:a="http://schemas.openxmlformats.org/drawingml/2006/main" xmlns:r="http://schemas.openxmlformats.org/officeDocument/2006/relationships" xmlns:p="http://schemas.openxmlformats.org/presentationml/2006/main">
+  <p:cSld>
+    <p:spTree>
+      <p:nvGrpSpPr>
+        <p:cNvPr id="1" name=""/>
+        <p:cNvGrpSpPr/>
+        <p:nvPr/>
+      </p:nvGrpSpPr>
+      <p:grpSpPr>
+        <a:xfrm>
+          <a:off x="0" y="0"/>
+          <a:ext cx="0" cy="0"/>
+          <a:chOff x="0" y="0"/>
+          <a:chExt cx="0" cy="0"/>
+        </a:xfrm>
+      </p:grpSpPr>
+      <p:sp>
+        <p:nvSpPr>
+          <p:cNvPr id="2" name="Title 1"/>
+          <p:cNvSpPr>
+            <a:spLocks noGrp="1"/>
+          </p:cNvSpPr>
+          <p:nvPr>
+            <p:ph type="title"/>
+          </p:nvPr>
+        </p:nvSpPr>
+        <p:spPr>
+          <a:xfrm>
+            <a:off x="0" y="1066800"/>
+            <a:ext cx="9144000" cy="1143000"/>
+          </a:xfrm>
+        </p:spPr>
+        <p:txBody>
+          <a:bodyPr>
+            <a:noAutofit/>
+          </a:bodyPr>
+          <a:lstStyle/>
+          <a:p>
+            <a:pPr algn="ctr"/>
+            <a:br>
+              <a:rPr lang="en-US" sz="4000" dirty="0"/>
+            </a:br>
+            <a:r>
+              <a:rPr lang="en-US" sz="4000" b="1" dirty="0"/>
+              <a:t>The pillars of the AWS Well-Architected Framework</a:t>
+            </a:r>
+            <a:endParaRPr lang="en-US" sz="4000" dirty="0"/>
+          </a:p>
+        </p:txBody>
+      </p:sp>
+      <p:sp>
+        <p:nvSpPr>
+          <p:cNvPr id="3" name="Content Placeholder 2"/>
+          <p:cNvSpPr>
+            <a:spLocks noGrp="1"/>
+          </p:cNvSpPr>
+          <p:nvPr>
+            <p:ph idx="1"/>
+          </p:nvPr>
+        </p:nvSpPr>
+        <p:spPr>
+          <a:xfrm>
+            <a:off x="0" y="2362200"/>
+            <a:ext cx="9144000" cy="3962400"/>
+          </a:xfrm>
+        </p:spPr>
+        <p:txBody>
+          <a:bodyPr>
+            <a:normAutofit/>
+          </a:bodyPr>
+          <a:lstStyle/>
+          <a:p>
+            <a:r>
+              <a:rPr lang="en-US" b="1" dirty="0"/>
+              <a:t>Operational Excellence:</a:t>
+            </a:r>
+          </a:p>
+          <a:p>
+            <a:pPr lvl="1"/>
+            <a:r>
+              <a:rPr lang="en-US" dirty="0"/>
+              <a:t>The ability to support development and run workloads effectively, gain insight into their operations, and to continuously improve supporting processes and procedures to deliver business value.</a:t>
+            </a:r>
+          </a:p>
+          <a:p>
+            <a:pPr lvl="1"/>
+            <a:r>
+              <a:rPr lang="en-US" dirty="0"/>
+              <a:t>At the end of the day, we want to optimize AWS in order to achieve the best satisfaction with our product or services and  overall operational sustainability.</a:t>
+            </a:r>
+          </a:p>
+        </p:txBody>
+      </p:sp>
+    </p:spTree>
+    <p:extLst>
+      <p:ext uri="{BB962C8B-B14F-4D97-AF65-F5344CB8AC3E}">
+        <p14:creationId xmlns:p14="http://schemas.microsoft.com/office/powerpoint/2010/main" val="3907600128"/>
+      </p:ext>
+    </p:extLst>
+  </p:cSld>
+  <p:clrMapOvr>
+    <a:masterClrMapping/>
+  </p:clrMapOvr>
+  <p:timing>
+    <p:tnLst>
+      <p:par>
+        <p:cTn id="1" dur="indefinite" restart="never" nodeType="tmRoot">
+          <p:childTnLst>
+            <p:seq concurrent="1" nextAc="seek">
+              <p:cTn id="2" dur="indefinite" nodeType="mainSeq">
+                <p:childTnLst>
+                  <p:par>
+                    <p:cTn id="3" fill="hold">
+                      <p:stCondLst>
+                        <p:cond delay="indefinite"/>
+                      </p:stCondLst>
+                      <p:childTnLst>
+                        <p:par>
+                          <p:cTn id="4" fill="hold">
+                            <p:stCondLst>
+                              <p:cond delay="0"/>
+                            </p:stCondLst>
+                            <p:childTnLst>
+                              <p:par>
+                                <p:cTn id="5" presetID="1" presetClass="entr" presetSubtype="0" fill="hold" grpId="0" nodeType="clickEffect">
+                                  <p:stCondLst>
+                                    <p:cond delay="0"/>
+                                  </p:stCondLst>
+                                  <p:childTnLst>
+                                    <p:set>
+                                      <p:cBhvr>
+                                        <p:cTn id="6" dur="1" fill="hold">
+                                          <p:stCondLst>
+                                            <p:cond delay="0"/>
+                                          </p:stCondLst>
+                                        </p:cTn>
+                                        <p:tgtEl>
+                                          <p:spTgt spid="3">
+                                            <p:txEl>
+                                              <p:pRg st="0" end="0"/>
+                                            </p:txEl>
+                                          </p:spTgt>
+                                        </p:tgtEl>
+                                        <p:attrNameLst>
+                                          <p:attrName>style.visibility</p:attrName>
+                                        </p:attrNameLst>
+                                      </p:cBhvr>
+                                      <p:to>
+                                        <p:strVal val="visible"/>
+                                      </p:to>
+                                    </p:set>
+                                  </p:childTnLst>
+                                </p:cTn>
+                              </p:par>
+                            </p:childTnLst>
+                          </p:cTn>
+                        </p:par>
+                      </p:childTnLst>
+                    </p:cTn>
+                  </p:par>
+                  <p:par>
+                    <p:cTn id="7" fill="hold">
+                      <p:stCondLst>
+                        <p:cond delay="indefinite"/>
+                      </p:stCondLst>
+                      <p:childTnLst>
+                        <p:par>
+                          <p:cTn id="8" fill="hold">
+                            <p:stCondLst>
+                              <p:cond delay="0"/>
+                            </p:stCondLst>
+                            <p:childTnLst>
+                              <p:par>
+                                <p:cTn id="9" presetID="1" presetClass="entr" presetSubtype="0" fill="hold" grpId="0" nodeType="clickEffect">
+                                  <p:stCondLst>
+                                    <p:cond delay="0"/>
+                                  </p:stCondLst>
+                                  <p:childTnLst>
+                                    <p:set>
+                                      <p:cBhvr>
+                                        <p:cTn id="10" dur="1" fill="hold">
+                                          <p:stCondLst>
+                                            <p:cond delay="0"/>
+                                          </p:stCondLst>
+                                        </p:cTn>
+                                        <p:tgtEl>
+                                          <p:spTgt spid="3">
+                                            <p:txEl>
+                                              <p:charRg st="24" end="217"/>
+                                            </p:txEl>
+                                          </p:spTgt>
+                                        </p:tgtEl>
+                                        <p:attrNameLst>
+                                          <p:attrName>style.visibility</p:attrName>
+                                        </p:attrNameLst>
+                                      </p:cBhvr>
+                                      <p:to>
+                                        <p:strVal val="visible"/>
+                                      </p:to>
+                                    </p:set>
+                                  </p:childTnLst>
+                                </p:cTn>
+                              </p:par>
+                            </p:childTnLst>
+                          </p:cTn>
+                        </p:par>
+                      </p:childTnLst>
+                    </p:cTn>
+                  </p:par>
+                  <p:par>
+                    <p:cTn id="11" fill="hold">
+                      <p:stCondLst>
+                        <p:cond delay="indefinite"/>
+                      </p:stCondLst>
+                      <p:childTnLst>
+                        <p:par>
+                          <p:cTn id="12" fill="hold">
+                            <p:stCondLst>
+                              <p:cond delay="0"/>
+                            </p:stCondLst>
+                            <p:childTnLst>
+                              <p:par>
+                                <p:cTn id="13" presetID="1" presetClass="entr" presetSubtype="0" fill="hold" grpId="0" nodeType="clickEffect">
+                                  <p:stCondLst>
+                                    <p:cond delay="0"/>
+                                  </p:stCondLst>
+                                  <p:childTnLst>
+                                    <p:set>
+                                      <p:cBhvr>
+                                        <p:cTn id="14" dur="1" fill="hold">
+                                          <p:stCondLst>
+                                            <p:cond delay="0"/>
+                                          </p:stCondLst>
+                                        </p:cTn>
+                                        <p:tgtEl>
+                                          <p:spTgt spid="3">
+                                            <p:txEl>
+                                              <p:charRg st="217" end="376"/>
                                             </p:txEl>
                                           </p:spTgt>
                                         </p:tgtEl>
